--- a/pptx.pptx
+++ b/pptx.pptx
@@ -118,10 +118,81 @@
   <pc:docChgLst>
     <pc:chgData name="Michal Krawczuk" userId="dbcbc6f69ef22d37" providerId="LiveId" clId="{C1EB9308-A819-4651-8D41-DF9F7251D88E}"/>
     <pc:docChg chg="addSld delSld modSld">
-      <pc:chgData name="Michal Krawczuk" userId="dbcbc6f69ef22d37" providerId="LiveId" clId="{C1EB9308-A819-4651-8D41-DF9F7251D88E}" dt="2024-09-19T11:46:41.010" v="9"/>
+      <pc:chgData name="Michal Krawczuk" userId="dbcbc6f69ef22d37" providerId="LiveId" clId="{C1EB9308-A819-4651-8D41-DF9F7251D88E}" dt="2024-09-19T12:03:16.480" v="10" actId="1076"/>
       <pc:docMkLst>
         <pc:docMk/>
       </pc:docMkLst>
+      <pc:sldChg chg="modSp mod">
+        <pc:chgData name="Michal Krawczuk" userId="dbcbc6f69ef22d37" providerId="LiveId" clId="{C1EB9308-A819-4651-8D41-DF9F7251D88E}" dt="2024-09-19T12:03:16.480" v="10" actId="1076"/>
+        <pc:sldMkLst>
+          <pc:docMk/>
+          <pc:sldMk cId="3429486291" sldId="256"/>
+        </pc:sldMkLst>
+        <pc:spChg chg="mod">
+          <ac:chgData name="Michal Krawczuk" userId="dbcbc6f69ef22d37" providerId="LiveId" clId="{C1EB9308-A819-4651-8D41-DF9F7251D88E}" dt="2024-09-19T12:03:16.480" v="10" actId="1076"/>
+          <ac:spMkLst>
+            <pc:docMk/>
+            <pc:sldMk cId="3429486291" sldId="256"/>
+            <ac:spMk id="19" creationId="{66E599FB-141E-4568-CF58-30EC9344A71B}"/>
+          </ac:spMkLst>
+        </pc:spChg>
+        <pc:spChg chg="mod">
+          <ac:chgData name="Michal Krawczuk" userId="dbcbc6f69ef22d37" providerId="LiveId" clId="{C1EB9308-A819-4651-8D41-DF9F7251D88E}" dt="2024-09-19T12:03:16.480" v="10" actId="1076"/>
+          <ac:spMkLst>
+            <pc:docMk/>
+            <pc:sldMk cId="3429486291" sldId="256"/>
+            <ac:spMk id="20" creationId="{80D8E10C-85D8-E1BB-D605-272460EF17B3}"/>
+          </ac:spMkLst>
+        </pc:spChg>
+        <pc:spChg chg="mod">
+          <ac:chgData name="Michal Krawczuk" userId="dbcbc6f69ef22d37" providerId="LiveId" clId="{C1EB9308-A819-4651-8D41-DF9F7251D88E}" dt="2024-09-19T12:03:16.480" v="10" actId="1076"/>
+          <ac:spMkLst>
+            <pc:docMk/>
+            <pc:sldMk cId="3429486291" sldId="256"/>
+            <ac:spMk id="21" creationId="{986A77FC-EAC8-9958-D57B-CB459D64501A}"/>
+          </ac:spMkLst>
+        </pc:spChg>
+        <pc:spChg chg="mod">
+          <ac:chgData name="Michal Krawczuk" userId="dbcbc6f69ef22d37" providerId="LiveId" clId="{C1EB9308-A819-4651-8D41-DF9F7251D88E}" dt="2024-09-19T12:03:16.480" v="10" actId="1076"/>
+          <ac:spMkLst>
+            <pc:docMk/>
+            <pc:sldMk cId="3429486291" sldId="256"/>
+            <ac:spMk id="22" creationId="{F0A2676E-0125-F5D1-6804-7353BD5CDF0E}"/>
+          </ac:spMkLst>
+        </pc:spChg>
+        <pc:grpChg chg="mod">
+          <ac:chgData name="Michal Krawczuk" userId="dbcbc6f69ef22d37" providerId="LiveId" clId="{C1EB9308-A819-4651-8D41-DF9F7251D88E}" dt="2024-09-19T12:03:16.480" v="10" actId="1076"/>
+          <ac:grpSpMkLst>
+            <pc:docMk/>
+            <pc:sldMk cId="3429486291" sldId="256"/>
+            <ac:grpSpMk id="9" creationId="{D1622DE4-F2C1-CCDC-0C7A-13328798E351}"/>
+          </ac:grpSpMkLst>
+        </pc:grpChg>
+        <pc:grpChg chg="mod">
+          <ac:chgData name="Michal Krawczuk" userId="dbcbc6f69ef22d37" providerId="LiveId" clId="{C1EB9308-A819-4651-8D41-DF9F7251D88E}" dt="2024-09-19T12:03:16.480" v="10" actId="1076"/>
+          <ac:grpSpMkLst>
+            <pc:docMk/>
+            <pc:sldMk cId="3429486291" sldId="256"/>
+            <ac:grpSpMk id="10" creationId="{1B896090-5433-D498-66ED-96A304446DA3}"/>
+          </ac:grpSpMkLst>
+        </pc:grpChg>
+        <pc:grpChg chg="mod">
+          <ac:chgData name="Michal Krawczuk" userId="dbcbc6f69ef22d37" providerId="LiveId" clId="{C1EB9308-A819-4651-8D41-DF9F7251D88E}" dt="2024-09-19T12:03:16.480" v="10" actId="1076"/>
+          <ac:grpSpMkLst>
+            <pc:docMk/>
+            <pc:sldMk cId="3429486291" sldId="256"/>
+            <ac:grpSpMk id="13" creationId="{75597AE7-04F6-6F0A-15DE-10C71A12C546}"/>
+          </ac:grpSpMkLst>
+        </pc:grpChg>
+        <pc:grpChg chg="mod">
+          <ac:chgData name="Michal Krawczuk" userId="dbcbc6f69ef22d37" providerId="LiveId" clId="{C1EB9308-A819-4651-8D41-DF9F7251D88E}" dt="2024-09-19T12:03:16.480" v="10" actId="1076"/>
+          <ac:grpSpMkLst>
+            <pc:docMk/>
+            <pc:sldMk cId="3429486291" sldId="256"/>
+            <ac:grpSpMk id="16" creationId="{B026A6CA-D72B-5B0D-0FE2-B7F51392B37F}"/>
+          </ac:grpSpMkLst>
+        </pc:grpChg>
+      </pc:sldChg>
       <pc:sldChg chg="modSp add mod">
         <pc:chgData name="Michal Krawczuk" userId="dbcbc6f69ef22d37" providerId="LiveId" clId="{C1EB9308-A819-4651-8D41-DF9F7251D88E}" dt="2024-09-19T11:46:41.010" v="9"/>
         <pc:sldMkLst>
@@ -3422,7 +3493,7 @@
         </p:nvGrpSpPr>
         <p:grpSpPr>
           <a:xfrm flipV="1">
-            <a:off x="2984500" y="971550"/>
+            <a:off x="6096000" y="1968500"/>
             <a:ext cx="800100" cy="800100"/>
             <a:chOff x="304800" y="736600"/>
             <a:chExt cx="2222500" cy="2222500"/>
@@ -3517,7 +3588,7 @@
         </p:nvGrpSpPr>
         <p:grpSpPr>
           <a:xfrm rot="5400000" flipV="1">
-            <a:off x="7416800" y="971550"/>
+            <a:off x="10528300" y="1968500"/>
             <a:ext cx="800100" cy="800100"/>
             <a:chOff x="304800" y="736600"/>
             <a:chExt cx="2222500" cy="2222500"/>
@@ -3612,7 +3683,7 @@
         </p:nvGrpSpPr>
         <p:grpSpPr>
           <a:xfrm rot="10800000" flipV="1">
-            <a:off x="7416800" y="3873500"/>
+            <a:off x="10528300" y="4870450"/>
             <a:ext cx="800100" cy="800100"/>
             <a:chOff x="304800" y="736600"/>
             <a:chExt cx="2222500" cy="2222500"/>
@@ -3707,7 +3778,7 @@
         </p:nvGrpSpPr>
         <p:grpSpPr>
           <a:xfrm rot="16200000" flipV="1">
-            <a:off x="2984500" y="3873500"/>
+            <a:off x="6096000" y="4870450"/>
             <a:ext cx="800100" cy="800100"/>
             <a:chOff x="304800" y="736600"/>
             <a:chExt cx="2222500" cy="2222500"/>
@@ -3802,7 +3873,7 @@
         </p:nvSpPr>
         <p:spPr>
           <a:xfrm>
-            <a:off x="3784599" y="1847850"/>
+            <a:off x="6896099" y="2844800"/>
             <a:ext cx="1828800" cy="1054100"/>
           </a:xfrm>
           <a:prstGeom prst="rect">
@@ -3856,7 +3927,7 @@
         </p:nvSpPr>
         <p:spPr>
           <a:xfrm>
-            <a:off x="6343649" y="1847850"/>
+            <a:off x="9455149" y="2844800"/>
             <a:ext cx="806451" cy="1581150"/>
           </a:xfrm>
           <a:prstGeom prst="rect">
@@ -3910,7 +3981,7 @@
         </p:nvSpPr>
         <p:spPr>
           <a:xfrm>
-            <a:off x="4019552" y="3105150"/>
+            <a:off x="7131052" y="4102100"/>
             <a:ext cx="1828800" cy="203200"/>
           </a:xfrm>
           <a:prstGeom prst="rect">
@@ -3964,7 +4035,7 @@
         </p:nvSpPr>
         <p:spPr>
           <a:xfrm>
-            <a:off x="4933953" y="4114800"/>
+            <a:off x="8045453" y="5111750"/>
             <a:ext cx="914399" cy="203200"/>
           </a:xfrm>
           <a:prstGeom prst="rect">
